--- a/lab6/schema.pptx
+++ b/lab6/schema.pptx
@@ -254,7 +254,7 @@
           <a:p>
             <a:fld id="{21339026-B07B-4064-9EFA-BFCD15C2D136}" type="datetimeFigureOut">
               <a:rPr lang="en-US" smtClean="0"/>
-              <a:t>12/16/2019</a:t>
+              <a:t>12/17/2019</a:t>
             </a:fld>
             <a:endParaRPr lang="en-US"/>
           </a:p>
@@ -424,7 +424,7 @@
           <a:p>
             <a:fld id="{21339026-B07B-4064-9EFA-BFCD15C2D136}" type="datetimeFigureOut">
               <a:rPr lang="en-US" smtClean="0"/>
-              <a:t>12/16/2019</a:t>
+              <a:t>12/17/2019</a:t>
             </a:fld>
             <a:endParaRPr lang="en-US"/>
           </a:p>
@@ -604,7 +604,7 @@
           <a:p>
             <a:fld id="{21339026-B07B-4064-9EFA-BFCD15C2D136}" type="datetimeFigureOut">
               <a:rPr lang="en-US" smtClean="0"/>
-              <a:t>12/16/2019</a:t>
+              <a:t>12/17/2019</a:t>
             </a:fld>
             <a:endParaRPr lang="en-US"/>
           </a:p>
@@ -774,7 +774,7 @@
           <a:p>
             <a:fld id="{21339026-B07B-4064-9EFA-BFCD15C2D136}" type="datetimeFigureOut">
               <a:rPr lang="en-US" smtClean="0"/>
-              <a:t>12/16/2019</a:t>
+              <a:t>12/17/2019</a:t>
             </a:fld>
             <a:endParaRPr lang="en-US"/>
           </a:p>
@@ -1018,7 +1018,7 @@
           <a:p>
             <a:fld id="{21339026-B07B-4064-9EFA-BFCD15C2D136}" type="datetimeFigureOut">
               <a:rPr lang="en-US" smtClean="0"/>
-              <a:t>12/16/2019</a:t>
+              <a:t>12/17/2019</a:t>
             </a:fld>
             <a:endParaRPr lang="en-US"/>
           </a:p>
@@ -1250,7 +1250,7 @@
           <a:p>
             <a:fld id="{21339026-B07B-4064-9EFA-BFCD15C2D136}" type="datetimeFigureOut">
               <a:rPr lang="en-US" smtClean="0"/>
-              <a:t>12/16/2019</a:t>
+              <a:t>12/17/2019</a:t>
             </a:fld>
             <a:endParaRPr lang="en-US"/>
           </a:p>
@@ -1617,7 +1617,7 @@
           <a:p>
             <a:fld id="{21339026-B07B-4064-9EFA-BFCD15C2D136}" type="datetimeFigureOut">
               <a:rPr lang="en-US" smtClean="0"/>
-              <a:t>12/16/2019</a:t>
+              <a:t>12/17/2019</a:t>
             </a:fld>
             <a:endParaRPr lang="en-US"/>
           </a:p>
@@ -1735,7 +1735,7 @@
           <a:p>
             <a:fld id="{21339026-B07B-4064-9EFA-BFCD15C2D136}" type="datetimeFigureOut">
               <a:rPr lang="en-US" smtClean="0"/>
-              <a:t>12/16/2019</a:t>
+              <a:t>12/17/2019</a:t>
             </a:fld>
             <a:endParaRPr lang="en-US"/>
           </a:p>
@@ -1830,7 +1830,7 @@
           <a:p>
             <a:fld id="{21339026-B07B-4064-9EFA-BFCD15C2D136}" type="datetimeFigureOut">
               <a:rPr lang="en-US" smtClean="0"/>
-              <a:t>12/16/2019</a:t>
+              <a:t>12/17/2019</a:t>
             </a:fld>
             <a:endParaRPr lang="en-US"/>
           </a:p>
@@ -2107,7 +2107,7 @@
           <a:p>
             <a:fld id="{21339026-B07B-4064-9EFA-BFCD15C2D136}" type="datetimeFigureOut">
               <a:rPr lang="en-US" smtClean="0"/>
-              <a:t>12/16/2019</a:t>
+              <a:t>12/17/2019</a:t>
             </a:fld>
             <a:endParaRPr lang="en-US"/>
           </a:p>
@@ -2364,7 +2364,7 @@
           <a:p>
             <a:fld id="{21339026-B07B-4064-9EFA-BFCD15C2D136}" type="datetimeFigureOut">
               <a:rPr lang="en-US" smtClean="0"/>
-              <a:t>12/16/2019</a:t>
+              <a:t>12/17/2019</a:t>
             </a:fld>
             <a:endParaRPr lang="en-US"/>
           </a:p>
@@ -2577,7 +2577,7 @@
           <a:p>
             <a:fld id="{21339026-B07B-4064-9EFA-BFCD15C2D136}" type="datetimeFigureOut">
               <a:rPr lang="en-US" smtClean="0"/>
-              <a:t>12/16/2019</a:t>
+              <a:t>12/17/2019</a:t>
             </a:fld>
             <a:endParaRPr lang="en-US"/>
           </a:p>
@@ -3331,7 +3331,7 @@
         </p:nvSpPr>
         <p:spPr>
           <a:xfrm flipV="1">
-            <a:off x="3836626" y="6568628"/>
+            <a:off x="3888804" y="5640298"/>
             <a:ext cx="1779269" cy="533400"/>
           </a:xfrm>
           <a:prstGeom prst="snip2SameRect">
@@ -3385,7 +3385,7 @@
         </p:nvCxnSpPr>
         <p:spPr>
           <a:xfrm>
-            <a:off x="4726261" y="6214112"/>
+            <a:off x="4778439" y="5285782"/>
             <a:ext cx="0" cy="354516"/>
           </a:xfrm>
           <a:prstGeom prst="straightConnector1">
@@ -3613,7 +3613,7 @@
         </p:nvSpPr>
         <p:spPr>
           <a:xfrm flipV="1">
-            <a:off x="3836626" y="5680712"/>
+            <a:off x="3888804" y="4752382"/>
             <a:ext cx="1779269" cy="533400"/>
           </a:xfrm>
           <a:prstGeom prst="snip2SameRect">
@@ -3663,7 +3663,7 @@
         </p:nvSpPr>
         <p:spPr>
           <a:xfrm>
-            <a:off x="3836625" y="6651906"/>
+            <a:off x="3888803" y="5723576"/>
             <a:ext cx="1779269" cy="338554"/>
           </a:xfrm>
           <a:prstGeom prst="rect">
@@ -3984,7 +3984,7 @@
         </p:nvSpPr>
         <p:spPr>
           <a:xfrm>
-            <a:off x="3836659" y="2632710"/>
+            <a:off x="3888837" y="1704380"/>
             <a:ext cx="1779270" cy="533400"/>
           </a:xfrm>
           <a:prstGeom prst="rect">
@@ -4048,7 +4048,7 @@
         </p:nvCxnSpPr>
         <p:spPr>
           <a:xfrm flipH="1">
-            <a:off x="4726261" y="5326196"/>
+            <a:off x="4778439" y="4397866"/>
             <a:ext cx="28" cy="354516"/>
           </a:xfrm>
           <a:prstGeom prst="straightConnector1">
@@ -4253,7 +4253,7 @@
         </p:nvSpPr>
         <p:spPr>
           <a:xfrm>
-            <a:off x="4475471" y="1755552"/>
+            <a:off x="4527649" y="827222"/>
             <a:ext cx="501647" cy="501647"/>
           </a:xfrm>
           <a:prstGeom prst="ellipse">
@@ -4317,7 +4317,7 @@
         </p:nvCxnSpPr>
         <p:spPr>
           <a:xfrm flipH="1">
-            <a:off x="4726294" y="2257199"/>
+            <a:off x="4778472" y="1328869"/>
             <a:ext cx="1" cy="375511"/>
           </a:xfrm>
           <a:prstGeom prst="straightConnector1">
@@ -4356,7 +4356,7 @@
         </p:nvSpPr>
         <p:spPr>
           <a:xfrm>
-            <a:off x="3836654" y="4792796"/>
+            <a:off x="3888832" y="3864466"/>
             <a:ext cx="1779270" cy="533400"/>
           </a:xfrm>
           <a:prstGeom prst="rect">
@@ -4420,7 +4420,7 @@
         </p:nvCxnSpPr>
         <p:spPr>
           <a:xfrm flipH="1">
-            <a:off x="4726275" y="3166110"/>
+            <a:off x="4778453" y="2237780"/>
             <a:ext cx="19" cy="343758"/>
           </a:xfrm>
           <a:prstGeom prst="straightConnector1">
@@ -4459,7 +4459,7 @@
         </p:nvSpPr>
         <p:spPr>
           <a:xfrm>
-            <a:off x="3836654" y="3509868"/>
+            <a:off x="3888832" y="2581538"/>
             <a:ext cx="1779241" cy="908911"/>
           </a:xfrm>
           <a:prstGeom prst="diamond">
@@ -4522,7 +4522,7 @@
         </p:nvCxnSpPr>
         <p:spPr>
           <a:xfrm flipH="1">
-            <a:off x="4726289" y="3964324"/>
+            <a:off x="4778467" y="3035994"/>
             <a:ext cx="889606" cy="828472"/>
           </a:xfrm>
           <a:prstGeom prst="bentConnector4">
@@ -4564,7 +4564,7 @@
         </p:nvSpPr>
         <p:spPr>
           <a:xfrm>
-            <a:off x="5615894" y="3739331"/>
+            <a:off x="5668072" y="2811001"/>
             <a:ext cx="448355" cy="215444"/>
           </a:xfrm>
           <a:prstGeom prst="rect">
@@ -4633,7 +4633,7 @@
         </p:nvCxnSpPr>
         <p:spPr>
           <a:xfrm rot="10800000" flipH="1" flipV="1">
-            <a:off x="3836654" y="3964323"/>
+            <a:off x="3888832" y="3035993"/>
             <a:ext cx="889606" cy="1530075"/>
           </a:xfrm>
           <a:prstGeom prst="bentConnector4">
@@ -4675,7 +4675,7 @@
         </p:nvSpPr>
         <p:spPr>
           <a:xfrm>
-            <a:off x="3836624" y="5779952"/>
+            <a:off x="3888802" y="4851622"/>
             <a:ext cx="1779270" cy="338554"/>
           </a:xfrm>
           <a:prstGeom prst="rect">
@@ -4765,14 +4765,14 @@
           <p:cNvCxnSpPr>
             <a:cxnSpLocks/>
             <a:stCxn id="22" idx="3"/>
-            <a:endCxn id="93" idx="0"/>
+            <a:endCxn id="39" idx="0"/>
           </p:cNvCxnSpPr>
           <p:nvPr/>
         </p:nvCxnSpPr>
         <p:spPr>
           <a:xfrm flipH="1">
-            <a:off x="4726259" y="7102028"/>
-            <a:ext cx="2" cy="354516"/>
+            <a:off x="4778437" y="6173698"/>
+            <a:ext cx="2" cy="351006"/>
           </a:xfrm>
           <a:prstGeom prst="straightConnector1">
             <a:avLst/>
@@ -4903,10 +4903,10 @@
       </p:cxnSp>
       <p:sp>
         <p:nvSpPr>
-          <p:cNvPr id="93" name="Прямоугольник: скругленные углы 92">
+          <p:cNvPr id="39" name="Прямоугольник 38">
             <a:extLst>
               <a:ext uri="{FF2B5EF4-FFF2-40B4-BE49-F238E27FC236}">
-                <a16:creationId xmlns:a16="http://schemas.microsoft.com/office/drawing/2014/main" id="{62A79448-3B1B-45AE-BC2D-54FDCE87C0E2}"/>
+                <a16:creationId xmlns:a16="http://schemas.microsoft.com/office/drawing/2014/main" id="{09372C65-1490-4479-B41D-6CD17679C437}"/>
               </a:ext>
             </a:extLst>
           </p:cNvPr>
@@ -4915,13 +4915,11 @@
         </p:nvSpPr>
         <p:spPr>
           <a:xfrm>
-            <a:off x="3836624" y="7456544"/>
+            <a:off x="3888802" y="6524704"/>
             <a:ext cx="1779270" cy="533400"/>
           </a:xfrm>
-          <a:prstGeom prst="roundRect">
-            <a:avLst>
-              <a:gd name="adj" fmla="val 50000"/>
-            </a:avLst>
+          <a:prstGeom prst="rect">
+            <a:avLst/>
           </a:prstGeom>
         </p:spPr>
         <p:style>
@@ -4963,6 +4961,111 @@
           </a:p>
         </p:txBody>
       </p:sp>
+      <p:sp>
+        <p:nvSpPr>
+          <p:cNvPr id="40" name="Прямоугольник: скругленные углы 39">
+            <a:extLst>
+              <a:ext uri="{FF2B5EF4-FFF2-40B4-BE49-F238E27FC236}">
+                <a16:creationId xmlns:a16="http://schemas.microsoft.com/office/drawing/2014/main" id="{30604529-3958-4487-9C7E-093CA0D19E21}"/>
+              </a:ext>
+            </a:extLst>
+          </p:cNvPr>
+          <p:cNvSpPr/>
+          <p:nvPr/>
+        </p:nvSpPr>
+        <p:spPr>
+          <a:xfrm>
+            <a:off x="3888802" y="7409110"/>
+            <a:ext cx="1779270" cy="533655"/>
+          </a:xfrm>
+          <a:prstGeom prst="roundRect">
+            <a:avLst>
+              <a:gd name="adj" fmla="val 50000"/>
+            </a:avLst>
+          </a:prstGeom>
+        </p:spPr>
+        <p:style>
+          <a:lnRef idx="2">
+            <a:schemeClr val="dk1"/>
+          </a:lnRef>
+          <a:fillRef idx="1">
+            <a:schemeClr val="lt1"/>
+          </a:fillRef>
+          <a:effectRef idx="0">
+            <a:schemeClr val="dk1"/>
+          </a:effectRef>
+          <a:fontRef idx="minor">
+            <a:schemeClr val="dk1"/>
+          </a:fontRef>
+        </p:style>
+        <p:txBody>
+          <a:bodyPr rtlCol="0" anchor="ctr"/>
+          <a:lstStyle/>
+          <a:p>
+            <a:pPr lvl="0" algn="ctr"/>
+            <a:r>
+              <a:rPr lang="ru-RU" sz="800">
+                <a:solidFill>
+                  <a:schemeClr val="tx1"/>
+                </a:solidFill>
+                <a:latin typeface="Times New Roman" panose="02020603050405020304" pitchFamily="18" charset="0"/>
+                <a:cs typeface="Times New Roman" panose="02020603050405020304" pitchFamily="18" charset="0"/>
+              </a:rPr>
+              <a:t>Конец</a:t>
+            </a:r>
+            <a:endParaRPr lang="en-US" sz="800" dirty="0">
+              <a:solidFill>
+                <a:schemeClr val="tx1"/>
+              </a:solidFill>
+              <a:latin typeface="Times New Roman" panose="02020603050405020304" pitchFamily="18" charset="0"/>
+              <a:cs typeface="Times New Roman" panose="02020603050405020304" pitchFamily="18" charset="0"/>
+            </a:endParaRPr>
+          </a:p>
+        </p:txBody>
+      </p:sp>
+      <p:cxnSp>
+        <p:nvCxnSpPr>
+          <p:cNvPr id="41" name="Прямая со стрелкой 40">
+            <a:extLst>
+              <a:ext uri="{FF2B5EF4-FFF2-40B4-BE49-F238E27FC236}">
+                <a16:creationId xmlns:a16="http://schemas.microsoft.com/office/drawing/2014/main" id="{0E6B282B-4952-4F5F-9F38-C38934F65A1A}"/>
+              </a:ext>
+            </a:extLst>
+          </p:cNvPr>
+          <p:cNvCxnSpPr>
+            <a:cxnSpLocks/>
+            <a:stCxn id="39" idx="2"/>
+            <a:endCxn id="40" idx="0"/>
+          </p:cNvCxnSpPr>
+          <p:nvPr/>
+        </p:nvCxnSpPr>
+        <p:spPr>
+          <a:xfrm>
+            <a:off x="4778437" y="7058104"/>
+            <a:ext cx="0" cy="351006"/>
+          </a:xfrm>
+          <a:prstGeom prst="straightConnector1">
+            <a:avLst/>
+          </a:prstGeom>
+          <a:ln>
+            <a:tailEnd type="triangle"/>
+          </a:ln>
+        </p:spPr>
+        <p:style>
+          <a:lnRef idx="2">
+            <a:schemeClr val="dk1"/>
+          </a:lnRef>
+          <a:fillRef idx="1">
+            <a:schemeClr val="lt1"/>
+          </a:fillRef>
+          <a:effectRef idx="0">
+            <a:schemeClr val="dk1"/>
+          </a:effectRef>
+          <a:fontRef idx="minor">
+            <a:schemeClr val="dk1"/>
+          </a:fontRef>
+        </p:style>
+      </p:cxnSp>
     </p:spTree>
     <p:extLst>
       <p:ext uri="{BB962C8B-B14F-4D97-AF65-F5344CB8AC3E}">
